--- a/Plotting/Plotting and Visualization.pptx
+++ b/Plotting/Plotting and Visualization.pptx
@@ -314,7 +314,7 @@
           <a:p>
             <a:fld id="{8BCC4161-7613-434B-AD6F-8CB1A6BAA607}" type="datetimeFigureOut">
               <a:rPr lang="en-US" smtClean="0"/>
-              <a:t>11/6/2012</a:t>
+              <a:t>11/7/2012</a:t>
             </a:fld>
             <a:endParaRPr lang="en-US"/>
           </a:p>
@@ -484,7 +484,7 @@
           <a:p>
             <a:fld id="{8BCC4161-7613-434B-AD6F-8CB1A6BAA607}" type="datetimeFigureOut">
               <a:rPr lang="en-US" smtClean="0"/>
-              <a:t>11/6/2012</a:t>
+              <a:t>11/7/2012</a:t>
             </a:fld>
             <a:endParaRPr lang="en-US"/>
           </a:p>
@@ -664,7 +664,7 @@
           <a:p>
             <a:fld id="{8BCC4161-7613-434B-AD6F-8CB1A6BAA607}" type="datetimeFigureOut">
               <a:rPr lang="en-US" smtClean="0"/>
-              <a:t>11/6/2012</a:t>
+              <a:t>11/7/2012</a:t>
             </a:fld>
             <a:endParaRPr lang="en-US"/>
           </a:p>
@@ -834,7 +834,7 @@
           <a:p>
             <a:fld id="{8BCC4161-7613-434B-AD6F-8CB1A6BAA607}" type="datetimeFigureOut">
               <a:rPr lang="en-US" smtClean="0"/>
-              <a:t>11/6/2012</a:t>
+              <a:t>11/7/2012</a:t>
             </a:fld>
             <a:endParaRPr lang="en-US"/>
           </a:p>
@@ -1080,7 +1080,7 @@
           <a:p>
             <a:fld id="{8BCC4161-7613-434B-AD6F-8CB1A6BAA607}" type="datetimeFigureOut">
               <a:rPr lang="en-US" smtClean="0"/>
-              <a:t>11/6/2012</a:t>
+              <a:t>11/7/2012</a:t>
             </a:fld>
             <a:endParaRPr lang="en-US"/>
           </a:p>
@@ -1368,7 +1368,7 @@
           <a:p>
             <a:fld id="{8BCC4161-7613-434B-AD6F-8CB1A6BAA607}" type="datetimeFigureOut">
               <a:rPr lang="en-US" smtClean="0"/>
-              <a:t>11/6/2012</a:t>
+              <a:t>11/7/2012</a:t>
             </a:fld>
             <a:endParaRPr lang="en-US"/>
           </a:p>
@@ -1790,7 +1790,7 @@
           <a:p>
             <a:fld id="{8BCC4161-7613-434B-AD6F-8CB1A6BAA607}" type="datetimeFigureOut">
               <a:rPr lang="en-US" smtClean="0"/>
-              <a:t>11/6/2012</a:t>
+              <a:t>11/7/2012</a:t>
             </a:fld>
             <a:endParaRPr lang="en-US"/>
           </a:p>
@@ -1908,7 +1908,7 @@
           <a:p>
             <a:fld id="{8BCC4161-7613-434B-AD6F-8CB1A6BAA607}" type="datetimeFigureOut">
               <a:rPr lang="en-US" smtClean="0"/>
-              <a:t>11/6/2012</a:t>
+              <a:t>11/7/2012</a:t>
             </a:fld>
             <a:endParaRPr lang="en-US"/>
           </a:p>
@@ -2003,7 +2003,7 @@
           <a:p>
             <a:fld id="{8BCC4161-7613-434B-AD6F-8CB1A6BAA607}" type="datetimeFigureOut">
               <a:rPr lang="en-US" smtClean="0"/>
-              <a:t>11/6/2012</a:t>
+              <a:t>11/7/2012</a:t>
             </a:fld>
             <a:endParaRPr lang="en-US"/>
           </a:p>
@@ -2280,7 +2280,7 @@
           <a:p>
             <a:fld id="{8BCC4161-7613-434B-AD6F-8CB1A6BAA607}" type="datetimeFigureOut">
               <a:rPr lang="en-US" smtClean="0"/>
-              <a:t>11/6/2012</a:t>
+              <a:t>11/7/2012</a:t>
             </a:fld>
             <a:endParaRPr lang="en-US"/>
           </a:p>
@@ -2533,7 +2533,7 @@
           <a:p>
             <a:fld id="{8BCC4161-7613-434B-AD6F-8CB1A6BAA607}" type="datetimeFigureOut">
               <a:rPr lang="en-US" smtClean="0"/>
-              <a:t>11/6/2012</a:t>
+              <a:t>11/7/2012</a:t>
             </a:fld>
             <a:endParaRPr lang="en-US"/>
           </a:p>
@@ -2746,7 +2746,7 @@
           <a:p>
             <a:fld id="{8BCC4161-7613-434B-AD6F-8CB1A6BAA607}" type="datetimeFigureOut">
               <a:rPr lang="en-US" smtClean="0"/>
-              <a:t>11/6/2012</a:t>
+              <a:t>11/7/2012</a:t>
             </a:fld>
             <a:endParaRPr lang="en-US"/>
           </a:p>
@@ -3157,7 +3157,7 @@
         <p:spPr/>
         <p:txBody>
           <a:bodyPr>
-            <a:normAutofit fontScale="92500" lnSpcReduction="20000"/>
+            <a:normAutofit fontScale="85000" lnSpcReduction="10000"/>
           </a:bodyPr>
           <a:lstStyle/>
           <a:p>
@@ -3175,19 +3175,78 @@
           <a:p>
             <a:r>
               <a:rPr lang="en-US" dirty="0" smtClean="0"/>
-              <a:t>Dep. of Computer Science, </a:t>
+              <a:t>Dep. of Computer </a:t>
+            </a:r>
+            <a:r>
+              <a:rPr lang="en-US" dirty="0" smtClean="0"/>
+              <a:t>Science</a:t>
+            </a:r>
+            <a:r>
+              <a:rPr lang="en-US" dirty="0"/>
+              <a:t> </a:t>
+            </a:r>
+            <a:r>
+              <a:rPr lang="en-US" dirty="0" smtClean="0"/>
+              <a:t>and </a:t>
             </a:r>
             <a:r>
               <a:rPr lang="en-US" dirty="0" err="1" smtClean="0"/>
-              <a:t>UiT</a:t>
-            </a:r>
-            <a:r>
-              <a:rPr lang="en-US" dirty="0" smtClean="0"/>
-              <a:t/>
+              <a:t>NELS@UiT</a:t>
+            </a:r>
+            <a:r>
+              <a:rPr lang="en-US" dirty="0" smtClean="0"/>
+              <a:t>,</a:t>
             </a:r>
             <a:br>
               <a:rPr lang="en-US" dirty="0" smtClean="0"/>
             </a:br>
+            <a:r>
+              <a:rPr lang="en-US" dirty="0" smtClean="0"/>
+              <a:t>University of Tromsø</a:t>
+            </a:r>
+            <a:endParaRPr lang="en-US" dirty="0"/>
+          </a:p>
+        </p:txBody>
+      </p:sp>
+      <p:sp>
+        <p:nvSpPr>
+          <p:cNvPr id="4" name="TextBox 3"/>
+          <p:cNvSpPr txBox="1"/>
+          <p:nvPr/>
+        </p:nvSpPr>
+        <p:spPr>
+          <a:xfrm>
+            <a:off x="6046243" y="884830"/>
+            <a:ext cx="1941557" cy="369332"/>
+          </a:xfrm>
+          <a:prstGeom prst="rect">
+            <a:avLst/>
+          </a:prstGeom>
+          <a:noFill/>
+          <a:ln>
+            <a:solidFill>
+              <a:srgbClr val="FF0000"/>
+            </a:solidFill>
+          </a:ln>
+        </p:spPr>
+        <p:txBody>
+          <a:bodyPr wrap="none" rtlCol="0">
+            <a:spAutoFit/>
+          </a:bodyPr>
+          <a:lstStyle/>
+          <a:p>
+            <a:r>
+              <a:rPr lang="en-US" dirty="0" smtClean="0"/>
+              <a:t>Please do a </a:t>
+            </a:r>
+            <a:r>
+              <a:rPr lang="en-US" dirty="0" err="1" smtClean="0"/>
+              <a:t>git</a:t>
+            </a:r>
+            <a:r>
+              <a:rPr lang="en-US" dirty="0" smtClean="0"/>
+              <a:t> pull</a:t>
+            </a:r>
             <a:endParaRPr lang="en-US" dirty="0"/>
           </a:p>
         </p:txBody>
@@ -3202,6 +3261,13 @@
   <p:clrMapOvr>
     <a:masterClrMapping/>
   </p:clrMapOvr>
+  <p:timing>
+    <p:tnLst>
+      <p:par>
+        <p:cTn id="1" dur="indefinite" restart="never" nodeType="tmRoot"/>
+      </p:par>
+    </p:tnLst>
+  </p:timing>
 </p:sld>
 </file>
 
@@ -3499,6 +3565,13 @@
   <p:clrMapOvr>
     <a:masterClrMapping/>
   </p:clrMapOvr>
+  <p:timing>
+    <p:tnLst>
+      <p:par>
+        <p:cTn id="1" dur="indefinite" restart="never" nodeType="tmRoot"/>
+      </p:par>
+    </p:tnLst>
+  </p:timing>
 </p:sld>
 </file>
 
@@ -3698,6 +3771,13 @@
   <p:clrMapOvr>
     <a:masterClrMapping/>
   </p:clrMapOvr>
+  <p:timing>
+    <p:tnLst>
+      <p:par>
+        <p:cTn id="1" dur="indefinite" restart="never" nodeType="tmRoot"/>
+      </p:par>
+    </p:tnLst>
+  </p:timing>
 </p:sld>
 </file>
 
@@ -3828,6 +3908,13 @@
   <p:clrMapOvr>
     <a:masterClrMapping/>
   </p:clrMapOvr>
+  <p:timing>
+    <p:tnLst>
+      <p:par>
+        <p:cTn id="1" dur="indefinite" restart="never" nodeType="tmRoot"/>
+      </p:par>
+    </p:tnLst>
+  </p:timing>
 </p:sld>
 </file>
 
@@ -3922,6 +4009,13 @@
   <p:clrMapOvr>
     <a:masterClrMapping/>
   </p:clrMapOvr>
+  <p:timing>
+    <p:tnLst>
+      <p:par>
+        <p:cTn id="1" dur="indefinite" restart="never" nodeType="tmRoot"/>
+      </p:par>
+    </p:tnLst>
+  </p:timing>
 </p:sld>
 </file>
 
@@ -4205,6 +4299,13 @@
   <p:clrMapOvr>
     <a:masterClrMapping/>
   </p:clrMapOvr>
+  <p:timing>
+    <p:tnLst>
+      <p:par>
+        <p:cTn id="1" dur="indefinite" restart="never" nodeType="tmRoot"/>
+      </p:par>
+    </p:tnLst>
+  </p:timing>
 </p:sld>
 </file>
 
@@ -4261,7 +4362,7 @@
         <p:spPr/>
         <p:txBody>
           <a:bodyPr>
-            <a:normAutofit/>
+            <a:normAutofit fontScale="92500" lnSpcReduction="20000"/>
           </a:bodyPr>
           <a:lstStyle/>
           <a:p>
@@ -4409,8 +4510,123 @@
                 <a:latin typeface="Courier New" pitchFamily="49" charset="0"/>
                 <a:cs typeface="Courier New" pitchFamily="49" charset="0"/>
               </a:rPr>
-              <a:t>('log')</a:t>
-            </a:r>
+              <a:t>('log</a:t>
+            </a:r>
+            <a:r>
+              <a:rPr lang="en-US" dirty="0" smtClean="0">
+                <a:latin typeface="Courier New" pitchFamily="49" charset="0"/>
+                <a:cs typeface="Courier New" pitchFamily="49" charset="0"/>
+              </a:rPr>
+              <a:t>')</a:t>
+            </a:r>
+          </a:p>
+          <a:p>
+            <a:pPr marL="0" indent="0">
+              <a:buNone/>
+            </a:pPr>
+            <a:r>
+              <a:rPr lang="en-US" dirty="0" err="1" smtClean="0">
+                <a:latin typeface="Courier New" pitchFamily="49" charset="0"/>
+                <a:cs typeface="Courier New" pitchFamily="49" charset="0"/>
+              </a:rPr>
+              <a:t>plt.show</a:t>
+            </a:r>
+            <a:r>
+              <a:rPr lang="en-US" dirty="0" smtClean="0">
+                <a:latin typeface="Courier New" pitchFamily="49" charset="0"/>
+                <a:cs typeface="Courier New" pitchFamily="49" charset="0"/>
+              </a:rPr>
+              <a:t>() # if </a:t>
+            </a:r>
+            <a:r>
+              <a:rPr lang="en-US" dirty="0" smtClean="0">
+                <a:latin typeface="Courier New" pitchFamily="49" charset="0"/>
+                <a:cs typeface="Courier New" pitchFamily="49" charset="0"/>
+              </a:rPr>
+              <a:t>not in </a:t>
+            </a:r>
+            <a:r>
+              <a:rPr lang="en-US" dirty="0" err="1" smtClean="0">
+                <a:latin typeface="Courier New" pitchFamily="49" charset="0"/>
+                <a:cs typeface="Courier New" pitchFamily="49" charset="0"/>
+              </a:rPr>
+              <a:t>pylab</a:t>
+            </a:r>
+            <a:endParaRPr lang="en-US" dirty="0" smtClean="0">
+              <a:latin typeface="Courier New" pitchFamily="49" charset="0"/>
+              <a:cs typeface="Courier New" pitchFamily="49" charset="0"/>
+            </a:endParaRPr>
+          </a:p>
+          <a:p>
+            <a:pPr marL="0" indent="0">
+              <a:buNone/>
+            </a:pPr>
+            <a:r>
+              <a:rPr lang="en-US" dirty="0" err="1" smtClean="0">
+                <a:latin typeface="Courier New" pitchFamily="49" charset="0"/>
+                <a:cs typeface="Courier New" pitchFamily="49" charset="0"/>
+              </a:rPr>
+              <a:t>plt</a:t>
+            </a:r>
+            <a:r>
+              <a:rPr lang="en-US" dirty="0">
+                <a:latin typeface="Courier New" pitchFamily="49" charset="0"/>
+                <a:cs typeface="Courier New" pitchFamily="49" charset="0"/>
+              </a:rPr>
+              <a:t>. </a:t>
+            </a:r>
+            <a:r>
+              <a:rPr lang="en-US" dirty="0" err="1">
+                <a:latin typeface="Courier New" pitchFamily="49" charset="0"/>
+                <a:cs typeface="Courier New" pitchFamily="49" charset="0"/>
+              </a:rPr>
+              <a:t>savefig</a:t>
+            </a:r>
+            <a:r>
+              <a:rPr lang="en-US" dirty="0" smtClean="0">
+                <a:latin typeface="Courier New" pitchFamily="49" charset="0"/>
+                <a:cs typeface="Courier New" pitchFamily="49" charset="0"/>
+              </a:rPr>
+              <a:t>(‘helloworld.png',</a:t>
+            </a:r>
+            <a:br>
+              <a:rPr lang="en-US" dirty="0" smtClean="0">
+                <a:latin typeface="Courier New" pitchFamily="49" charset="0"/>
+                <a:cs typeface="Courier New" pitchFamily="49" charset="0"/>
+              </a:rPr>
+            </a:br>
+            <a:r>
+              <a:rPr lang="en-US" dirty="0" smtClean="0">
+                <a:latin typeface="Courier New" pitchFamily="49" charset="0"/>
+                <a:cs typeface="Courier New" pitchFamily="49" charset="0"/>
+              </a:rPr>
+              <a:t>  type</a:t>
+            </a:r>
+            <a:r>
+              <a:rPr lang="en-US" dirty="0">
+                <a:latin typeface="Courier New" pitchFamily="49" charset="0"/>
+                <a:cs typeface="Courier New" pitchFamily="49" charset="0"/>
+              </a:rPr>
+              <a:t>='</a:t>
+            </a:r>
+            <a:r>
+              <a:rPr lang="en-US" dirty="0" err="1">
+                <a:latin typeface="Courier New" pitchFamily="49" charset="0"/>
+                <a:cs typeface="Courier New" pitchFamily="49" charset="0"/>
+              </a:rPr>
+              <a:t>png</a:t>
+            </a:r>
+            <a:r>
+              <a:rPr lang="en-US" dirty="0">
+                <a:latin typeface="Courier New" pitchFamily="49" charset="0"/>
+                <a:cs typeface="Courier New" pitchFamily="49" charset="0"/>
+              </a:rPr>
+              <a:t>')</a:t>
+            </a:r>
+            <a:endParaRPr lang="en-US" dirty="0">
+              <a:latin typeface="Courier New" pitchFamily="49" charset="0"/>
+              <a:cs typeface="Courier New" pitchFamily="49" charset="0"/>
+            </a:endParaRPr>
           </a:p>
         </p:txBody>
       </p:sp>
@@ -4424,6 +4640,13 @@
   <p:clrMapOvr>
     <a:masterClrMapping/>
   </p:clrMapOvr>
+  <p:timing>
+    <p:tnLst>
+      <p:par>
+        <p:cTn id="1" dur="indefinite" restart="never" nodeType="tmRoot"/>
+      </p:par>
+    </p:tnLst>
+  </p:timing>
 </p:sld>
 </file>
 
@@ -4563,6 +4786,13 @@
   <p:clrMapOvr>
     <a:masterClrMapping/>
   </p:clrMapOvr>
+  <p:timing>
+    <p:tnLst>
+      <p:par>
+        <p:cTn id="1" dur="indefinite" restart="never" nodeType="tmRoot"/>
+      </p:par>
+    </p:tnLst>
+  </p:timing>
 </p:sld>
 </file>
 
@@ -4748,6 +4978,13 @@
   <p:clrMapOvr>
     <a:masterClrMapping/>
   </p:clrMapOvr>
+  <p:timing>
+    <p:tnLst>
+      <p:par>
+        <p:cTn id="1" dur="indefinite" restart="never" nodeType="tmRoot"/>
+      </p:par>
+    </p:tnLst>
+  </p:timing>
 </p:sld>
 </file>
 
@@ -5096,6 +5333,13 @@
   <p:clrMapOvr>
     <a:masterClrMapping/>
   </p:clrMapOvr>
+  <p:timing>
+    <p:tnLst>
+      <p:par>
+        <p:cTn id="1" dur="indefinite" restart="never" nodeType="tmRoot"/>
+      </p:par>
+    </p:tnLst>
+  </p:timing>
 </p:sld>
 </file>
 
@@ -5485,6 +5729,13 @@
   <p:clrMapOvr>
     <a:masterClrMapping/>
   </p:clrMapOvr>
+  <p:timing>
+    <p:tnLst>
+      <p:par>
+        <p:cTn id="1" dur="indefinite" restart="never" nodeType="tmRoot"/>
+      </p:par>
+    </p:tnLst>
+  </p:timing>
 </p:sld>
 </file>
 
@@ -5555,7 +5806,6 @@
               <a:rPr lang="en-US" dirty="0" smtClean="0"/>
               <a:t>Short introduction</a:t>
             </a:r>
-            <a:endParaRPr lang="en-US" dirty="0" smtClean="0"/>
           </a:p>
           <a:p>
             <a:pPr lvl="1"/>
@@ -5563,12 +5813,15 @@
               <a:rPr lang="en-US" dirty="0" smtClean="0"/>
               <a:t>Exercises</a:t>
             </a:r>
-            <a:endParaRPr lang="en-US" dirty="0" smtClean="0"/>
-          </a:p>
-          <a:p>
-            <a:r>
-              <a:rPr lang="en-US" dirty="0" smtClean="0"/>
-              <a:t>Advanced plotting in </a:t>
+          </a:p>
+          <a:p>
+            <a:r>
+              <a:rPr lang="en-US" dirty="0" smtClean="0"/>
+              <a:t>Advanced </a:t>
+            </a:r>
+            <a:r>
+              <a:rPr lang="en-US" dirty="0" smtClean="0"/>
+              <a:t>visualizations in </a:t>
             </a:r>
             <a:r>
               <a:rPr lang="en-US" dirty="0" smtClean="0"/>
@@ -5627,6 +5880,13 @@
   <p:clrMapOvr>
     <a:masterClrMapping/>
   </p:clrMapOvr>
+  <p:timing>
+    <p:tnLst>
+      <p:par>
+        <p:cTn id="1" dur="indefinite" restart="never" nodeType="tmRoot"/>
+      </p:par>
+    </p:tnLst>
+  </p:timing>
 </p:sld>
 </file>
 
@@ -5709,6 +5969,13 @@
   <p:clrMapOvr>
     <a:masterClrMapping/>
   </p:clrMapOvr>
+  <p:timing>
+    <p:tnLst>
+      <p:par>
+        <p:cTn id="1" dur="indefinite" restart="never" nodeType="tmRoot"/>
+      </p:par>
+    </p:tnLst>
+  </p:timing>
 </p:sld>
 </file>
 
@@ -5817,6 +6084,13 @@
   <p:clrMapOvr>
     <a:masterClrMapping/>
   </p:clrMapOvr>
+  <p:timing>
+    <p:tnLst>
+      <p:par>
+        <p:cTn id="1" dur="indefinite" restart="never" nodeType="tmRoot"/>
+      </p:par>
+    </p:tnLst>
+  </p:timing>
 </p:sld>
 </file>
 
@@ -6190,6 +6464,13 @@
   <p:clrMapOvr>
     <a:masterClrMapping/>
   </p:clrMapOvr>
+  <p:timing>
+    <p:tnLst>
+      <p:par>
+        <p:cTn id="1" dur="indefinite" restart="never" nodeType="tmRoot"/>
+      </p:par>
+    </p:tnLst>
+  </p:timing>
 </p:sld>
 </file>
 
@@ -6375,6 +6656,13 @@
   <p:clrMapOvr>
     <a:masterClrMapping/>
   </p:clrMapOvr>
+  <p:timing>
+    <p:tnLst>
+      <p:par>
+        <p:cTn id="1" dur="indefinite" restart="never" nodeType="tmRoot"/>
+      </p:par>
+    </p:tnLst>
+  </p:timing>
 </p:sld>
 </file>
 
@@ -6476,6 +6764,13 @@
   <p:clrMapOvr>
     <a:masterClrMapping/>
   </p:clrMapOvr>
+  <p:timing>
+    <p:tnLst>
+      <p:par>
+        <p:cTn id="1" dur="indefinite" restart="never" nodeType="tmRoot"/>
+      </p:par>
+    </p:tnLst>
+  </p:timing>
 </p:sld>
 </file>
 
@@ -7152,6 +7447,13 @@
   <p:clrMapOvr>
     <a:masterClrMapping/>
   </p:clrMapOvr>
+  <p:timing>
+    <p:tnLst>
+      <p:par>
+        <p:cTn id="1" dur="indefinite" restart="never" nodeType="tmRoot"/>
+      </p:par>
+    </p:tnLst>
+  </p:timing>
 </p:sld>
 </file>
 
@@ -7208,7 +7510,7 @@
         <p:spPr/>
         <p:txBody>
           <a:bodyPr>
-            <a:normAutofit fontScale="92500" lnSpcReduction="20000"/>
+            <a:normAutofit fontScale="85000" lnSpcReduction="20000"/>
           </a:bodyPr>
           <a:lstStyle/>
           <a:p>
@@ -7275,6 +7577,16 @@
             <a:r>
               <a:rPr lang="en-US" dirty="0" smtClean="0"/>
               <a:t>…</a:t>
+            </a:r>
+          </a:p>
+          <a:p>
+            <a:r>
+              <a:rPr lang="en-US" dirty="0" err="1" smtClean="0"/>
+              <a:t>Gnuplot</a:t>
+            </a:r>
+            <a:r>
+              <a:rPr lang="en-US" dirty="0" smtClean="0"/>
+              <a:t>, …</a:t>
             </a:r>
             <a:endParaRPr lang="en-US" dirty="0"/>
           </a:p>
@@ -7290,6 +7602,13 @@
   <p:clrMapOvr>
     <a:masterClrMapping/>
   </p:clrMapOvr>
+  <p:timing>
+    <p:tnLst>
+      <p:par>
+        <p:cTn id="1" dur="indefinite" restart="never" nodeType="tmRoot"/>
+      </p:par>
+    </p:tnLst>
+  </p:timing>
 </p:sld>
 </file>
 
@@ -7445,6 +7764,13 @@
   <p:clrMapOvr>
     <a:masterClrMapping/>
   </p:clrMapOvr>
+  <p:timing>
+    <p:tnLst>
+      <p:par>
+        <p:cTn id="1" dur="indefinite" restart="never" nodeType="tmRoot"/>
+      </p:par>
+    </p:tnLst>
+  </p:timing>
 </p:sld>
 </file>
 
@@ -7574,6 +7900,13 @@
   <p:clrMapOvr>
     <a:masterClrMapping/>
   </p:clrMapOvr>
+  <p:timing>
+    <p:tnLst>
+      <p:par>
+        <p:cTn id="1" dur="indefinite" restart="never" nodeType="tmRoot"/>
+      </p:par>
+    </p:tnLst>
+  </p:timing>
 </p:sld>
 </file>
 
@@ -7695,6 +8028,13 @@
   <p:clrMapOvr>
     <a:masterClrMapping/>
   </p:clrMapOvr>
+  <p:timing>
+    <p:tnLst>
+      <p:par>
+        <p:cTn id="1" dur="indefinite" restart="never" nodeType="tmRoot"/>
+      </p:par>
+    </p:tnLst>
+  </p:timing>
 </p:sld>
 </file>
 
@@ -7814,8 +8154,13 @@
           <a:p>
             <a:r>
               <a:rPr lang="en-US" dirty="0" smtClean="0"/>
-              <a:t>Lots of modules</a:t>
-            </a:r>
+              <a:t>Lots of </a:t>
+            </a:r>
+            <a:r>
+              <a:rPr lang="en-US" dirty="0" smtClean="0"/>
+              <a:t>modules/ libraries</a:t>
+            </a:r>
+            <a:endParaRPr lang="en-US" dirty="0" smtClean="0"/>
           </a:p>
           <a:p>
             <a:r>
@@ -7841,6 +8186,13 @@
   <p:clrMapOvr>
     <a:masterClrMapping/>
   </p:clrMapOvr>
+  <p:timing>
+    <p:tnLst>
+      <p:par>
+        <p:cTn id="1" dur="indefinite" restart="never" nodeType="tmRoot"/>
+      </p:par>
+    </p:tnLst>
+  </p:timing>
 </p:sld>
 </file>
 
@@ -7924,16 +8276,11 @@
               <a:rPr lang="en-US" dirty="0" smtClean="0"/>
               <a:t>Big and messy interfaces</a:t>
             </a:r>
-            <a:endParaRPr lang="en-US" dirty="0" smtClean="0"/>
-          </a:p>
-          <a:p>
-            <a:r>
-              <a:rPr lang="en-US" dirty="0" smtClean="0"/>
-              <a:t>May require advanced </a:t>
-            </a:r>
-            <a:r>
-              <a:rPr lang="en-US" dirty="0" smtClean="0"/>
-              <a:t>programming</a:t>
+          </a:p>
+          <a:p>
+            <a:r>
+              <a:rPr lang="en-US" dirty="0" smtClean="0"/>
+              <a:t>May require advanced programming</a:t>
             </a:r>
             <a:endParaRPr lang="en-US" dirty="0"/>
           </a:p>
@@ -7949,6 +8296,13 @@
   <p:clrMapOvr>
     <a:masterClrMapping/>
   </p:clrMapOvr>
+  <p:timing>
+    <p:tnLst>
+      <p:par>
+        <p:cTn id="1" dur="indefinite" restart="never" nodeType="tmRoot"/>
+      </p:par>
+    </p:tnLst>
+  </p:timing>
 </p:sld>
 </file>
 
@@ -8174,7 +8528,14 @@
                 <a:latin typeface="Courier New" pitchFamily="49" charset="0"/>
                 <a:cs typeface="Courier New" pitchFamily="49" charset="0"/>
               </a:rPr>
-              <a:t># Show GUI with plot. </a:t>
+              <a:t># Show GUI with </a:t>
+            </a:r>
+            <a:r>
+              <a:rPr lang="en-US" sz="2800" dirty="0" smtClean="0">
+                <a:latin typeface="Courier New" pitchFamily="49" charset="0"/>
+                <a:cs typeface="Courier New" pitchFamily="49" charset="0"/>
+              </a:rPr>
+              <a:t>plot </a:t>
             </a:r>
             <a:r>
               <a:rPr lang="en-US" sz="2800" dirty="0" smtClean="0">
@@ -8227,6 +8588,13 @@
   <p:clrMapOvr>
     <a:masterClrMapping/>
   </p:clrMapOvr>
+  <p:timing>
+    <p:tnLst>
+      <p:par>
+        <p:cTn id="1" dur="indefinite" restart="never" nodeType="tmRoot"/>
+      </p:par>
+    </p:tnLst>
+  </p:timing>
 </p:sld>
 </file>
 
